--- a/Melanoma_prediction_NN_V3.pptx
+++ b/Melanoma_prediction_NN_V3.pptx
@@ -11747,7 +11747,7 @@
         </p:nvSpPr>
         <p:spPr>
           <a:xfrm>
-            <a:off x="5461391" y="2859813"/>
+            <a:off x="5461391" y="3040682"/>
             <a:ext cx="4788000" cy="5509037"/>
           </a:xfrm>
           <a:prstGeom prst="rect">
@@ -11989,7 +11989,7 @@
         </p:nvSpPr>
         <p:spPr>
           <a:xfrm>
-            <a:off x="5454650" y="8772205"/>
+            <a:off x="5454650" y="8891209"/>
             <a:ext cx="4788000" cy="3822649"/>
           </a:xfrm>
           <a:prstGeom prst="rect">
@@ -12138,13 +12138,8 @@
             </a:pPr>
             <a:r>
               <a:rPr lang="en-US" sz="1200" dirty="0"/>
-              <a:t>-  Baseline model with RF best </a:t>
-            </a:r>
-            <a:r>
-              <a:rPr lang="en-US" sz="1200"/>
-              <a:t>classification accuracy</a:t>
-            </a:r>
-            <a:endParaRPr lang="en-US" sz="1200" dirty="0"/>
+              <a:t>-  Baseline model with RF best classification accuracy</a:t>
+            </a:r>
           </a:p>
           <a:p>
             <a:pPr marL="171450" indent="-171450">
@@ -12280,7 +12275,7 @@
         </p:nvSpPr>
         <p:spPr>
           <a:xfrm>
-            <a:off x="5452247" y="2633590"/>
+            <a:off x="5476792" y="2804406"/>
             <a:ext cx="4788000" cy="288000"/>
           </a:xfrm>
           <a:prstGeom prst="rect">
@@ -12327,7 +12322,7 @@
         </p:nvSpPr>
         <p:spPr>
           <a:xfrm>
-            <a:off x="5454650" y="8489404"/>
+            <a:off x="5454650" y="8670273"/>
             <a:ext cx="4787488" cy="288000"/>
           </a:xfrm>
           <a:prstGeom prst="rect">
@@ -13996,7 +13991,7 @@
         </p:nvSpPr>
         <p:spPr>
           <a:xfrm>
-            <a:off x="5461391" y="12911188"/>
+            <a:off x="5461391" y="12953729"/>
             <a:ext cx="4788000" cy="489421"/>
           </a:xfrm>
           <a:prstGeom prst="rect">
@@ -14073,7 +14068,7 @@
         </p:nvSpPr>
         <p:spPr>
           <a:xfrm>
-            <a:off x="5461903" y="12661712"/>
+            <a:off x="5452249" y="12718606"/>
             <a:ext cx="4787488" cy="288000"/>
           </a:xfrm>
           <a:prstGeom prst="rect">

--- a/Melanoma_prediction_NN_V3.pptx
+++ b/Melanoma_prediction_NN_V3.pptx
@@ -11661,15 +11661,7 @@
             </a:pPr>
             <a:r>
               <a:rPr lang="en-US" sz="1200" i="1" dirty="0"/>
-              <a:t>Baseline Model (with </a:t>
-            </a:r>
-            <a:r>
-              <a:rPr lang="en-US" sz="1200" i="1" dirty="0" err="1"/>
-              <a:t>RandomForest</a:t>
-            </a:r>
-            <a:r>
-              <a:rPr lang="en-US" sz="1200" i="1" dirty="0"/>
-              <a:t> [RF])</a:t>
+              <a:t>Baseline Model (with Random Forest [RF])</a:t>
             </a:r>
           </a:p>
           <a:p>
@@ -11783,7 +11775,7 @@
             </a:pPr>
             <a:r>
               <a:rPr lang="en-US" sz="1200" dirty="0"/>
-              <a:t>Overfitting (accuracy of </a:t>
+              <a:t>Visible overfitting </a:t>
             </a:r>
           </a:p>
           <a:p>
@@ -11794,7 +11786,7 @@
             </a:pPr>
             <a:r>
               <a:rPr lang="en-US" sz="1200" dirty="0"/>
-              <a:t>Train data &gt; test data)</a:t>
+              <a:t>(accuracy of </a:t>
             </a:r>
           </a:p>
           <a:p>
@@ -11805,7 +11797,7 @@
             </a:pPr>
             <a:r>
               <a:rPr lang="en-US" sz="1200" dirty="0"/>
-              <a:t>Solution: data augmentation, </a:t>
+              <a:t>train data &gt; test data)</a:t>
             </a:r>
           </a:p>
           <a:p>
@@ -11816,7 +11808,29 @@
             </a:pPr>
             <a:r>
               <a:rPr lang="en-US" sz="1200" dirty="0"/>
-              <a:t>neuronal dropout</a:t>
+              <a:t>Solutions: </a:t>
+            </a:r>
+          </a:p>
+          <a:p>
+            <a:pPr>
+              <a:spcAft>
+                <a:spcPts val="600"/>
+              </a:spcAft>
+            </a:pPr>
+            <a:r>
+              <a:rPr lang="en-US" sz="1200" dirty="0"/>
+              <a:t>- data augmentation, </a:t>
+            </a:r>
+          </a:p>
+          <a:p>
+            <a:pPr>
+              <a:spcAft>
+                <a:spcPts val="600"/>
+              </a:spcAft>
+            </a:pPr>
+            <a:r>
+              <a:rPr lang="en-US" sz="1200" dirty="0"/>
+              <a:t>- neuronal dropout</a:t>
             </a:r>
           </a:p>
         </p:txBody>
@@ -11989,8 +12003,8 @@
         </p:nvSpPr>
         <p:spPr>
           <a:xfrm>
-            <a:off x="5454650" y="8891209"/>
-            <a:ext cx="4788000" cy="3822649"/>
+            <a:off x="5454650" y="8891210"/>
+            <a:ext cx="4788000" cy="3653966"/>
           </a:xfrm>
           <a:prstGeom prst="rect">
             <a:avLst/>
@@ -12138,7 +12152,7 @@
             </a:pPr>
             <a:r>
               <a:rPr lang="en-US" sz="1200" dirty="0"/>
-              <a:t>-  Baseline model with RF best classification accuracy</a:t>
+              <a:t>-  Baseline model with RF -&gt; best classification accuracy</a:t>
             </a:r>
           </a:p>
           <a:p>
@@ -12151,7 +12165,7 @@
             </a:pPr>
             <a:r>
               <a:rPr lang="en-US" sz="1200" dirty="0"/>
-              <a:t>From scratch trained CNN: Minimization of loss and the accuracy vary among the </a:t>
+              <a:t>From scratch trained CNN: minimization of loss and the accuracy vary among the </a:t>
             </a:r>
             <a:r>
               <a:rPr lang="en-US" sz="1200" dirty="0" err="1"/>
@@ -12160,19 +12174,6 @@
             <a:r>
               <a:rPr lang="en-US" sz="1200" dirty="0"/>
               <a:t>. </a:t>
-            </a:r>
-          </a:p>
-          <a:p>
-            <a:pPr marL="628609" lvl="1" indent="-171450">
-              <a:spcAft>
-                <a:spcPts val="600"/>
-              </a:spcAft>
-              <a:buFontTx/>
-              <a:buChar char="-"/>
-            </a:pPr>
-            <a:r>
-              <a:rPr lang="en-US" sz="1200" dirty="0"/>
-              <a:t>-&gt;  Effect is not completely understood.</a:t>
             </a:r>
           </a:p>
           <a:p>
@@ -13498,7 +13499,7 @@
           <a:p>
             <a:r>
               <a:rPr lang="en-US" sz="1200" dirty="0"/>
-              <a:t>Goal to classify three types of  skin growth</a:t>
+              <a:t>Goal:  Classify three types of  skin growth</a:t>
             </a:r>
             <a:r>
               <a:rPr lang="en-US" sz="1200" b="1" dirty="0"/>
@@ -14068,7 +14069,7 @@
         </p:nvSpPr>
         <p:spPr>
           <a:xfrm>
-            <a:off x="5452249" y="12718606"/>
+            <a:off x="5461903" y="12638630"/>
             <a:ext cx="4787488" cy="288000"/>
           </a:xfrm>
           <a:prstGeom prst="rect">
@@ -14123,7 +14124,7 @@
         </p:blipFill>
         <p:spPr>
           <a:xfrm>
-            <a:off x="5556908" y="4900972"/>
+            <a:off x="5604024" y="5170731"/>
             <a:ext cx="2671424" cy="2658703"/>
           </a:xfrm>
           <a:prstGeom prst="rect">
@@ -14146,14 +14147,14 @@
           <p:nvPr>
             <p:extLst>
               <p:ext uri="{D42A27DB-BD31-4B8C-83A1-F6EECF244321}">
-                <p14:modId xmlns:p14="http://schemas.microsoft.com/office/powerpoint/2010/main" val="4087192327"/>
+                <p14:modId xmlns:p14="http://schemas.microsoft.com/office/powerpoint/2010/main" val="4022461337"/>
               </p:ext>
             </p:extLst>
           </p:nvPr>
         </p:nvGraphicFramePr>
         <p:xfrm>
           <a:off x="3336053" y="6134131"/>
-          <a:ext cx="1718268" cy="1123025"/>
+          <a:ext cx="1870408" cy="1113276"/>
         </p:xfrm>
         <a:graphic>
           <a:graphicData uri="http://schemas.openxmlformats.org/drawingml/2006/table">
@@ -14162,14 +14163,14 @@
                 <a:tableStyleId>{FABFCF23-3B69-468F-B69F-88F6DE6A72F2}</a:tableStyleId>
               </a:tblPr>
               <a:tblGrid>
-                <a:gridCol w="582804">
+                <a:gridCol w="634407">
                   <a:extLst>
                     <a:ext uri="{9D8B030D-6E8A-4147-A177-3AD203B41FA5}">
                       <a16:colId xmlns:a16="http://schemas.microsoft.com/office/drawing/2014/main" val="1093664076"/>
                     </a:ext>
                   </a:extLst>
                 </a:gridCol>
-                <a:gridCol w="1135464">
+                <a:gridCol w="1236001">
                   <a:extLst>
                     <a:ext uri="{9D8B030D-6E8A-4147-A177-3AD203B41FA5}">
                       <a16:colId xmlns:a16="http://schemas.microsoft.com/office/drawing/2014/main" val="545353344"/>
@@ -14177,7 +14178,7 @@
                   </a:extLst>
                 </a:gridCol>
               </a:tblGrid>
-              <a:tr h="283611">
+              <a:tr h="280520">
                 <a:tc>
                   <a:txBody>
                     <a:bodyPr/>
@@ -14228,7 +14229,7 @@
                   </a:ext>
                 </a:extLst>
               </a:tr>
-              <a:tr h="196334">
+              <a:tr h="226108">
                 <a:tc>
                   <a:txBody>
                     <a:bodyPr/>
@@ -14271,7 +14272,7 @@
                   </a:ext>
                 </a:extLst>
               </a:tr>
-              <a:tr h="305407">
+              <a:tr h="302078">
                 <a:tc>
                   <a:txBody>
                     <a:bodyPr/>
@@ -14314,7 +14315,7 @@
                   </a:ext>
                 </a:extLst>
               </a:tr>
-              <a:tr h="305407">
+              <a:tr h="302078">
                 <a:tc>
                   <a:txBody>
                     <a:bodyPr/>
@@ -14508,8 +14509,8 @@
         </p:blipFill>
         <p:spPr>
           <a:xfrm>
-            <a:off x="561721" y="8650821"/>
-            <a:ext cx="3833752" cy="968743"/>
+            <a:off x="561720" y="8650821"/>
+            <a:ext cx="4144843" cy="1047352"/>
           </a:xfrm>
           <a:prstGeom prst="rect">
             <a:avLst/>
@@ -14538,8 +14539,8 @@
         </p:blipFill>
         <p:spPr>
           <a:xfrm>
-            <a:off x="2726786" y="9449465"/>
-            <a:ext cx="2479675" cy="968038"/>
+            <a:off x="2726786" y="9504935"/>
+            <a:ext cx="2337583" cy="912567"/>
           </a:xfrm>
           <a:prstGeom prst="rect">
             <a:avLst/>
@@ -14568,7 +14569,7 @@
         </p:blipFill>
         <p:spPr>
           <a:xfrm>
-            <a:off x="8414657" y="6486285"/>
+            <a:off x="8391556" y="6675721"/>
             <a:ext cx="1865535" cy="1884084"/>
           </a:xfrm>
           <a:prstGeom prst="rect">
@@ -14598,7 +14599,7 @@
         </p:blipFill>
         <p:spPr>
           <a:xfrm>
-            <a:off x="8347605" y="2850605"/>
+            <a:off x="8372555" y="3010507"/>
             <a:ext cx="1864144" cy="1917254"/>
           </a:xfrm>
           <a:prstGeom prst="rect">
@@ -14628,7 +14629,7 @@
         </p:blipFill>
         <p:spPr>
           <a:xfrm>
-            <a:off x="8378406" y="4691300"/>
+            <a:off x="8378406" y="4840635"/>
             <a:ext cx="1864144" cy="1853612"/>
           </a:xfrm>
           <a:prstGeom prst="rect">

--- a/Melanoma_prediction_NN_V3.pptx
+++ b/Melanoma_prediction_NN_V3.pptx
@@ -11604,7 +11604,7 @@
         </p:nvSpPr>
         <p:spPr>
           <a:xfrm>
-            <a:off x="8228332" y="121842"/>
+            <a:off x="8167067" y="592796"/>
             <a:ext cx="2152590" cy="243684"/>
           </a:xfrm>
         </p:spPr>

--- a/Melanoma_prediction_NN_V3.pptx
+++ b/Melanoma_prediction_NN_V3.pptx
@@ -12668,14 +12668,14 @@
           <p:nvPr>
             <p:extLst>
               <p:ext uri="{D42A27DB-BD31-4B8C-83A1-F6EECF244321}">
-                <p14:modId xmlns:p14="http://schemas.microsoft.com/office/powerpoint/2010/main" val="3639534568"/>
+                <p14:modId xmlns:p14="http://schemas.microsoft.com/office/powerpoint/2010/main" val="2834111448"/>
               </p:ext>
             </p:extLst>
           </p:nvPr>
         </p:nvGraphicFramePr>
         <p:xfrm>
-          <a:off x="480063" y="3518837"/>
-          <a:ext cx="4726398" cy="2335052"/>
+          <a:off x="449263" y="3510903"/>
+          <a:ext cx="4788000" cy="2335052"/>
         </p:xfrm>
         <a:graphic>
           <a:graphicData uri="http://schemas.openxmlformats.org/drawingml/2006/table">
@@ -12684,28 +12684,28 @@
                 <a:tableStyleId>{FABFCF23-3B69-468F-B69F-88F6DE6A72F2}</a:tableStyleId>
               </a:tblPr>
               <a:tblGrid>
-                <a:gridCol w="706163">
+                <a:gridCol w="715367">
                   <a:extLst>
                     <a:ext uri="{9D8B030D-6E8A-4147-A177-3AD203B41FA5}">
                       <a16:colId xmlns:a16="http://schemas.microsoft.com/office/drawing/2014/main" val="1093664076"/>
                     </a:ext>
                   </a:extLst>
                 </a:gridCol>
-                <a:gridCol w="1185184">
+                <a:gridCol w="1200631">
                   <a:extLst>
                     <a:ext uri="{9D8B030D-6E8A-4147-A177-3AD203B41FA5}">
                       <a16:colId xmlns:a16="http://schemas.microsoft.com/office/drawing/2014/main" val="2934661900"/>
                     </a:ext>
                   </a:extLst>
                 </a:gridCol>
-                <a:gridCol w="1256044">
+                <a:gridCol w="1272415">
                   <a:extLst>
                     <a:ext uri="{9D8B030D-6E8A-4147-A177-3AD203B41FA5}">
                       <a16:colId xmlns:a16="http://schemas.microsoft.com/office/drawing/2014/main" val="545353344"/>
                     </a:ext>
                   </a:extLst>
                 </a:gridCol>
-                <a:gridCol w="1579007">
+                <a:gridCol w="1599587">
                   <a:extLst>
                     <a:ext uri="{9D8B030D-6E8A-4147-A177-3AD203B41FA5}">
                       <a16:colId xmlns:a16="http://schemas.microsoft.com/office/drawing/2014/main" val="3246142570"/>
@@ -13499,7 +13499,7 @@
           <a:p>
             <a:r>
               <a:rPr lang="en-US" sz="1200" dirty="0"/>
-              <a:t>Goal:  Classify three types of  skin growth</a:t>
+              <a:t>Goal:  Classify three types of  skin-lesions</a:t>
             </a:r>
             <a:r>
               <a:rPr lang="en-US" sz="1200" b="1" dirty="0"/>

--- a/Melanoma_prediction_NN_V3.pptx
+++ b/Melanoma_prediction_NN_V3.pptx
@@ -11764,7 +11764,7 @@
             </a:pPr>
             <a:r>
               <a:rPr lang="en-US" sz="1200" b="1" dirty="0"/>
-              <a:t>3. CNN from Scratch: </a:t>
+              <a:t>3. CNN from scratch: </a:t>
             </a:r>
           </a:p>
           <a:p>
@@ -13635,7 +13635,7 @@
           <p:nvPr>
             <p:extLst>
               <p:ext uri="{D42A27DB-BD31-4B8C-83A1-F6EECF244321}">
-                <p14:modId xmlns:p14="http://schemas.microsoft.com/office/powerpoint/2010/main" val="2047261290"/>
+                <p14:modId xmlns:p14="http://schemas.microsoft.com/office/powerpoint/2010/main" val="879993511"/>
               </p:ext>
             </p:extLst>
           </p:nvPr>
@@ -13925,7 +13925,11 @@
                     <a:p>
                       <a:r>
                         <a:rPr lang="en-US" sz="900" b="1" dirty="0"/>
-                        <a:t>CNN from Scratch</a:t>
+                        <a:t>CNN </a:t>
+                      </a:r>
+                      <a:r>
+                        <a:rPr lang="en-US" sz="900" b="1"/>
+                        <a:t>from scratch</a:t>
                       </a:r>
                       <a:endParaRPr lang="en-CH" sz="900" b="1" u="none" dirty="0">
                         <a:solidFill>

--- a/Melanoma_prediction_NN_V3.pptx
+++ b/Melanoma_prediction_NN_V3.pptx
@@ -11916,16 +11916,13 @@
             </a:pPr>
             <a:r>
               <a:rPr lang="en-US" sz="1200" b="1" dirty="0"/>
-              <a:t>2. Pretrained </a:t>
-            </a:r>
-            <a:r>
-              <a:rPr lang="en-US" sz="1200" b="1" dirty="0" err="1"/>
+              <a:t>2. Pretrained NN with </a:t>
+            </a:r>
+            <a:r>
+              <a:rPr lang="en-US" sz="1200" b="1"/>
               <a:t>VGG</a:t>
             </a:r>
-            <a:r>
-              <a:rPr lang="en-US" sz="1200" b="1" dirty="0"/>
-              <a:t> with </a:t>
-            </a:r>
+            <a:endParaRPr lang="en-US" sz="1200" b="1" dirty="0"/>
           </a:p>
           <a:p>
             <a:pPr>
@@ -13925,11 +13922,7 @@
                     <a:p>
                       <a:r>
                         <a:rPr lang="en-US" sz="900" b="1" dirty="0"/>
-                        <a:t>CNN </a:t>
-                      </a:r>
-                      <a:r>
-                        <a:rPr lang="en-US" sz="900" b="1"/>
-                        <a:t>from scratch</a:t>
+                        <a:t>CNN from scratch</a:t>
                       </a:r>
                       <a:endParaRPr lang="en-CH" sz="900" b="1" u="none" dirty="0">
                         <a:solidFill>
